--- a/doc/doc_image.pptx
+++ b/doc/doc_image.pptx
@@ -7,6 +7,10 @@
   <p:sldIdLst>
     <p:sldId id="256" r:id="rId2"/>
     <p:sldId id="257" r:id="rId3"/>
+    <p:sldId id="258" r:id="rId4"/>
+    <p:sldId id="259" r:id="rId5"/>
+    <p:sldId id="260" r:id="rId6"/>
+    <p:sldId id="261" r:id="rId7"/>
   </p:sldIdLst>
   <p:sldSz cx="12192000" cy="6858000"/>
   <p:notesSz cx="6858000" cy="9144000"/>
@@ -3481,6 +3485,292 @@
 </p:sld>
 </file>
 
+<file path=ppt/slides/slide3.xml><?xml version="1.0" encoding="utf-8"?>
+<p:sld xmlns:a="http://schemas.openxmlformats.org/drawingml/2006/main" xmlns:r="http://schemas.openxmlformats.org/officeDocument/2006/relationships" xmlns:p="http://schemas.openxmlformats.org/presentationml/2006/main">
+  <p:cSld>
+    <p:spTree>
+      <p:nvGrpSpPr>
+        <p:cNvPr id="1" name=""/>
+        <p:cNvGrpSpPr/>
+        <p:nvPr/>
+      </p:nvGrpSpPr>
+      <p:grpSpPr>
+        <a:xfrm>
+          <a:off x="0" y="0"/>
+          <a:ext cx="0" cy="0"/>
+          <a:chOff x="0" y="0"/>
+          <a:chExt cx="0" cy="0"/>
+        </a:xfrm>
+      </p:grpSpPr>
+      <p:pic>
+        <p:nvPicPr>
+          <p:cNvPr id="5" name="Content Placeholder 4" descr="A picture containing icon&#10;&#10;Description automatically generated">
+            <a:extLst>
+              <a:ext uri="{FF2B5EF4-FFF2-40B4-BE49-F238E27FC236}">
+                <a16:creationId xmlns:a16="http://schemas.microsoft.com/office/drawing/2014/main" id="{A9E2E60B-1D0F-024A-9B83-ADAC04AC1197}"/>
+              </a:ext>
+            </a:extLst>
+          </p:cNvPr>
+          <p:cNvPicPr>
+            <a:picLocks noGrp="1" noChangeAspect="1"/>
+          </p:cNvPicPr>
+          <p:nvPr>
+            <p:ph idx="1"/>
+          </p:nvPr>
+        </p:nvPicPr>
+        <p:blipFill>
+          <a:blip r:embed="rId2"/>
+          <a:stretch>
+            <a:fillRect/>
+          </a:stretch>
+        </p:blipFill>
+        <p:spPr>
+          <a:xfrm>
+            <a:off x="2416231" y="1253331"/>
+            <a:ext cx="6783341" cy="4351338"/>
+          </a:xfrm>
+        </p:spPr>
+      </p:pic>
+    </p:spTree>
+    <p:extLst>
+      <p:ext uri="{BB962C8B-B14F-4D97-AF65-F5344CB8AC3E}">
+        <p14:creationId xmlns:p14="http://schemas.microsoft.com/office/powerpoint/2010/main" val="3721178450"/>
+      </p:ext>
+    </p:extLst>
+  </p:cSld>
+  <p:clrMapOvr>
+    <a:masterClrMapping/>
+  </p:clrMapOvr>
+</p:sld>
+</file>
+
+<file path=ppt/slides/slide4.xml><?xml version="1.0" encoding="utf-8"?>
+<p:sld xmlns:a="http://schemas.openxmlformats.org/drawingml/2006/main" xmlns:r="http://schemas.openxmlformats.org/officeDocument/2006/relationships" xmlns:p="http://schemas.openxmlformats.org/presentationml/2006/main">
+  <p:cSld>
+    <p:spTree>
+      <p:nvGrpSpPr>
+        <p:cNvPr id="1" name=""/>
+        <p:cNvGrpSpPr/>
+        <p:nvPr/>
+      </p:nvGrpSpPr>
+      <p:grpSpPr>
+        <a:xfrm>
+          <a:off x="0" y="0"/>
+          <a:ext cx="0" cy="0"/>
+          <a:chOff x="0" y="0"/>
+          <a:chExt cx="0" cy="0"/>
+        </a:xfrm>
+      </p:grpSpPr>
+      <p:sp>
+        <p:nvSpPr>
+          <p:cNvPr id="2" name="Title 1">
+            <a:extLst>
+              <a:ext uri="{FF2B5EF4-FFF2-40B4-BE49-F238E27FC236}">
+                <a16:creationId xmlns:a16="http://schemas.microsoft.com/office/drawing/2014/main" id="{A461269B-4638-434A-A724-F216241E703A}"/>
+              </a:ext>
+            </a:extLst>
+          </p:cNvPr>
+          <p:cNvSpPr>
+            <a:spLocks noGrp="1"/>
+          </p:cNvSpPr>
+          <p:nvPr>
+            <p:ph type="title"/>
+          </p:nvPr>
+        </p:nvSpPr>
+        <p:spPr/>
+        <p:txBody>
+          <a:bodyPr/>
+          <a:lstStyle/>
+          <a:p>
+            <a:endParaRPr lang="en-US"/>
+          </a:p>
+        </p:txBody>
+      </p:sp>
+      <p:pic>
+        <p:nvPicPr>
+          <p:cNvPr id="5" name="Content Placeholder 4" descr="Logo, company name&#10;&#10;Description automatically generated">
+            <a:extLst>
+              <a:ext uri="{FF2B5EF4-FFF2-40B4-BE49-F238E27FC236}">
+                <a16:creationId xmlns:a16="http://schemas.microsoft.com/office/drawing/2014/main" id="{3A63F78A-CD4C-4941-8947-F571AAFE9896}"/>
+              </a:ext>
+            </a:extLst>
+          </p:cNvPr>
+          <p:cNvPicPr>
+            <a:picLocks noGrp="1" noChangeAspect="1"/>
+          </p:cNvPicPr>
+          <p:nvPr>
+            <p:ph idx="1"/>
+          </p:nvPr>
+        </p:nvPicPr>
+        <p:blipFill>
+          <a:blip r:embed="rId2"/>
+          <a:stretch>
+            <a:fillRect/>
+          </a:stretch>
+        </p:blipFill>
+        <p:spPr>
+          <a:xfrm>
+            <a:off x="464702" y="277443"/>
+            <a:ext cx="9060797" cy="5811838"/>
+          </a:xfrm>
+        </p:spPr>
+      </p:pic>
+    </p:spTree>
+    <p:extLst>
+      <p:ext uri="{BB962C8B-B14F-4D97-AF65-F5344CB8AC3E}">
+        <p14:creationId xmlns:p14="http://schemas.microsoft.com/office/powerpoint/2010/main" val="634642400"/>
+      </p:ext>
+    </p:extLst>
+  </p:cSld>
+  <p:clrMapOvr>
+    <a:masterClrMapping/>
+  </p:clrMapOvr>
+</p:sld>
+</file>
+
+<file path=ppt/slides/slide5.xml><?xml version="1.0" encoding="utf-8"?>
+<p:sld xmlns:a="http://schemas.openxmlformats.org/drawingml/2006/main" xmlns:r="http://schemas.openxmlformats.org/officeDocument/2006/relationships" xmlns:p="http://schemas.openxmlformats.org/presentationml/2006/main">
+  <p:cSld>
+    <p:spTree>
+      <p:nvGrpSpPr>
+        <p:cNvPr id="1" name=""/>
+        <p:cNvGrpSpPr/>
+        <p:nvPr/>
+      </p:nvGrpSpPr>
+      <p:grpSpPr>
+        <a:xfrm>
+          <a:off x="0" y="0"/>
+          <a:ext cx="0" cy="0"/>
+          <a:chOff x="0" y="0"/>
+          <a:chExt cx="0" cy="0"/>
+        </a:xfrm>
+      </p:grpSpPr>
+      <p:sp>
+        <p:nvSpPr>
+          <p:cNvPr id="2" name="Title 1">
+            <a:extLst>
+              <a:ext uri="{FF2B5EF4-FFF2-40B4-BE49-F238E27FC236}">
+                <a16:creationId xmlns:a16="http://schemas.microsoft.com/office/drawing/2014/main" id="{A6200E1A-1AA7-E341-A519-8909683741A1}"/>
+              </a:ext>
+            </a:extLst>
+          </p:cNvPr>
+          <p:cNvSpPr>
+            <a:spLocks noGrp="1"/>
+          </p:cNvSpPr>
+          <p:nvPr>
+            <p:ph type="title"/>
+          </p:nvPr>
+        </p:nvSpPr>
+        <p:spPr/>
+        <p:txBody>
+          <a:bodyPr/>
+          <a:lstStyle/>
+          <a:p>
+            <a:endParaRPr lang="en-US"/>
+          </a:p>
+        </p:txBody>
+      </p:sp>
+      <p:pic>
+        <p:nvPicPr>
+          <p:cNvPr id="5" name="Content Placeholder 4" descr="Company name&#10;&#10;Description automatically generated">
+            <a:extLst>
+              <a:ext uri="{FF2B5EF4-FFF2-40B4-BE49-F238E27FC236}">
+                <a16:creationId xmlns:a16="http://schemas.microsoft.com/office/drawing/2014/main" id="{04F7B321-6F71-304F-9EF2-106AC1A983CA}"/>
+              </a:ext>
+            </a:extLst>
+          </p:cNvPr>
+          <p:cNvPicPr>
+            <a:picLocks noGrp="1" noChangeAspect="1"/>
+          </p:cNvPicPr>
+          <p:nvPr>
+            <p:ph idx="1"/>
+          </p:nvPr>
+        </p:nvPicPr>
+        <p:blipFill>
+          <a:blip r:embed="rId2"/>
+          <a:stretch>
+            <a:fillRect/>
+          </a:stretch>
+        </p:blipFill>
+        <p:spPr>
+          <a:xfrm>
+            <a:off x="2023335" y="818121"/>
+            <a:ext cx="8145329" cy="5221757"/>
+          </a:xfrm>
+        </p:spPr>
+      </p:pic>
+    </p:spTree>
+    <p:extLst>
+      <p:ext uri="{BB962C8B-B14F-4D97-AF65-F5344CB8AC3E}">
+        <p14:creationId xmlns:p14="http://schemas.microsoft.com/office/powerpoint/2010/main" val="3325331130"/>
+      </p:ext>
+    </p:extLst>
+  </p:cSld>
+  <p:clrMapOvr>
+    <a:masterClrMapping/>
+  </p:clrMapOvr>
+</p:sld>
+</file>
+
+<file path=ppt/slides/slide6.xml><?xml version="1.0" encoding="utf-8"?>
+<p:sld xmlns:a="http://schemas.openxmlformats.org/drawingml/2006/main" xmlns:r="http://schemas.openxmlformats.org/officeDocument/2006/relationships" xmlns:p="http://schemas.openxmlformats.org/presentationml/2006/main">
+  <p:cSld>
+    <p:spTree>
+      <p:nvGrpSpPr>
+        <p:cNvPr id="1" name=""/>
+        <p:cNvGrpSpPr/>
+        <p:nvPr/>
+      </p:nvGrpSpPr>
+      <p:grpSpPr>
+        <a:xfrm>
+          <a:off x="0" y="0"/>
+          <a:ext cx="0" cy="0"/>
+          <a:chOff x="0" y="0"/>
+          <a:chExt cx="0" cy="0"/>
+        </a:xfrm>
+      </p:grpSpPr>
+      <p:pic>
+        <p:nvPicPr>
+          <p:cNvPr id="5" name="Content Placeholder 4" descr="A picture containing company name&#10;&#10;Description automatically generated">
+            <a:extLst>
+              <a:ext uri="{FF2B5EF4-FFF2-40B4-BE49-F238E27FC236}">
+                <a16:creationId xmlns:a16="http://schemas.microsoft.com/office/drawing/2014/main" id="{5DFFE5DA-9C70-7741-9C32-BD1C1526A543}"/>
+              </a:ext>
+            </a:extLst>
+          </p:cNvPr>
+          <p:cNvPicPr>
+            <a:picLocks noGrp="1" noChangeAspect="1"/>
+          </p:cNvPicPr>
+          <p:nvPr>
+            <p:ph idx="1"/>
+          </p:nvPr>
+        </p:nvPicPr>
+        <p:blipFill>
+          <a:blip r:embed="rId2"/>
+          <a:stretch>
+            <a:fillRect/>
+          </a:stretch>
+        </p:blipFill>
+        <p:spPr>
+          <a:xfrm>
+            <a:off x="1164920" y="242935"/>
+            <a:ext cx="9350818" cy="5996658"/>
+          </a:xfrm>
+        </p:spPr>
+      </p:pic>
+    </p:spTree>
+    <p:extLst>
+      <p:ext uri="{BB962C8B-B14F-4D97-AF65-F5344CB8AC3E}">
+        <p14:creationId xmlns:p14="http://schemas.microsoft.com/office/powerpoint/2010/main" val="1378967686"/>
+      </p:ext>
+    </p:extLst>
+  </p:cSld>
+  <p:clrMapOvr>
+    <a:masterClrMapping/>
+  </p:clrMapOvr>
+</p:sld>
+</file>
+
 <file path=ppt/theme/theme1.xml><?xml version="1.0" encoding="utf-8"?>
 <a:theme xmlns:a="http://schemas.openxmlformats.org/drawingml/2006/main" name="Office Theme">
   <a:themeElements>
